--- a/PORTRAIT The Restless Bolters Assessment Report .pptx
+++ b/PORTRAIT The Restless Bolters Assessment Report .pptx
@@ -7036,7 +7036,33 @@
               </a:rPr>
               <a:t>: </a:t>
             </a:r>
-            <a:endParaRPr lang="en-US" dirty="0">
+            <a:r>
+              <a:rPr lang="en-US" i="1" dirty="0">
+                <a:solidFill>
+                  <a:schemeClr val="tx1"/>
+                </a:solidFill>
+              </a:rPr>
+              <a:t>	</a:t>
+            </a:r>
+            <a:r>
+              <a:rPr lang="en-US" dirty="0">
+                <a:solidFill>
+                  <a:schemeClr val="tx1"/>
+                </a:solidFill>
+                <a:hlinkClick r:id="rId8"/>
+              </a:rPr>
+              <a:t>https://s3805194.github.io/Restless-Bolters</a:t>
+            </a:r>
+            <a:r>
+              <a:rPr lang="en-US" dirty="0" smtClean="0">
+                <a:solidFill>
+                  <a:schemeClr val="tx1"/>
+                </a:solidFill>
+                <a:hlinkClick r:id="rId8"/>
+              </a:rPr>
+              <a:t>/</a:t>
+            </a:r>
+            <a:endParaRPr lang="en-US" dirty="0" smtClean="0">
               <a:solidFill>
                 <a:schemeClr val="tx1"/>
               </a:solidFill>
@@ -7045,7 +7071,7 @@
           <a:p>
             <a:pPr algn="l"/>
             <a:r>
-              <a:rPr lang="en-US" i="1" dirty="0" err="1">
+              <a:rPr lang="en-US" i="1" dirty="0" err="1" smtClean="0">
                 <a:solidFill>
                   <a:schemeClr val="tx1"/>
                 </a:solidFill>
@@ -7053,7 +7079,7 @@
               <a:t>Github</a:t>
             </a:r>
             <a:r>
-              <a:rPr lang="en-US" i="1" dirty="0">
+              <a:rPr lang="en-US" i="1" dirty="0" smtClean="0">
                 <a:solidFill>
                   <a:schemeClr val="tx1"/>
                 </a:solidFill>
@@ -7073,7 +7099,7 @@
                 <a:solidFill>
                   <a:schemeClr val="tx1"/>
                 </a:solidFill>
-                <a:hlinkClick r:id="rId8"/>
+                <a:hlinkClick r:id="rId9"/>
               </a:rPr>
               <a:t>https</a:t>
             </a:r>
@@ -7082,7 +7108,7 @@
                 <a:solidFill>
                   <a:schemeClr val="tx1"/>
                 </a:solidFill>
-                <a:hlinkClick r:id="rId8"/>
+                <a:hlinkClick r:id="rId9"/>
               </a:rPr>
               <a:t>://github.com/s3805194/Restless-Bolters</a:t>
             </a:r>
@@ -16458,7 +16484,7 @@
         <p:spPr>
           <a:xfrm>
             <a:off x="320424" y="943429"/>
-            <a:ext cx="6256839" cy="8217634"/>
+            <a:ext cx="6256839" cy="8402300"/>
           </a:xfrm>
           <a:prstGeom prst="rect">
             <a:avLst/>
@@ -16541,8 +16567,21 @@
           <a:p>
             <a:r>
               <a:rPr lang="en-US" sz="1200" dirty="0"/>
-              <a:t>Bruce was a little shy at first, but after the Group Chat, he was very much involved.  He helped with the allocation of work to the new members, suggested minutes, and set up the repo and GitHub page link.</a:t>
-            </a:r>
+              <a:t>Bruce was a little shy at first, but after the Group Chat, he was very much involved.  He helped with the allocation of work to the new members, suggested minutes, and set up the repo and GitHub page link</a:t>
+            </a:r>
+            <a:r>
+              <a:rPr lang="en-US" sz="1200" dirty="0" smtClean="0"/>
+              <a:t>. </a:t>
+            </a:r>
+            <a:r>
+              <a:rPr lang="en-US" sz="1200" dirty="0" err="1" smtClean="0"/>
+              <a:t>Jaryd</a:t>
+            </a:r>
+            <a:r>
+              <a:rPr lang="en-US" sz="1200" dirty="0" smtClean="0"/>
+              <a:t> even came out of his shell!</a:t>
+            </a:r>
+            <a:endParaRPr lang="en-US" sz="1200" dirty="0"/>
           </a:p>
           <a:p>
             <a:r>
@@ -16715,8 +16754,12 @@
           </a:p>
           <a:p>
             <a:r>
+              <a:rPr lang="en-AU" sz="1200" dirty="0" smtClean="0"/>
+              <a:t>Made </a:t>
+            </a:r>
+            <a:r>
               <a:rPr lang="en-AU" sz="1200" dirty="0"/>
-              <a:t> Made better use of GitHub repo branches. Our master branch is very messy. We could have used separate branches to better organise the files for each task. Using multiple branches would also avoid unnecessary downloads of files that the members would not need or don’t intend to work on.</a:t>
+              <a:t>better use of GitHub repo branches. Our master branch is very messy. We could have used separate branches to better organise the files for each task. Using multiple branches would also avoid unnecessary downloads of files that the members would not need or don’t intend to work on.</a:t>
             </a:r>
             <a:endParaRPr lang="en-US" sz="1200" dirty="0"/>
           </a:p>
